--- a/demeterics-node.pptx
+++ b/demeterics-node.pptx
@@ -104,6 +104,11 @@
       </a:defRPr>
     </a:lvl9pPr>
   </p:defaultTextStyle>
+  <p:extLst>
+    <p:ext uri="{EFAFB233-063F-42B5-8137-9DF3F51BA10A}">
+      <p15:sldGuideLst xmlns:p15="http://schemas.microsoft.com/office/powerpoint/2012/main"/>
+    </p:ext>
+  </p:extLst>
 </p:presentation>
 </file>
 
@@ -254,7 +259,7 @@
           <a:p>
             <a:fld id="{22DB820E-E852-4CE0-9E9A-14D561E3D30A}" type="datetimeFigureOut">
               <a:rPr lang="en-US" smtClean="0"/>
-              <a:t>12/2/2025</a:t>
+              <a:t>12/3/2025</a:t>
             </a:fld>
             <a:endParaRPr lang="en-US"/>
           </a:p>
@@ -452,7 +457,7 @@
           <a:p>
             <a:fld id="{22DB820E-E852-4CE0-9E9A-14D561E3D30A}" type="datetimeFigureOut">
               <a:rPr lang="en-US" smtClean="0"/>
-              <a:t>12/2/2025</a:t>
+              <a:t>12/3/2025</a:t>
             </a:fld>
             <a:endParaRPr lang="en-US"/>
           </a:p>
@@ -660,7 +665,7 @@
           <a:p>
             <a:fld id="{22DB820E-E852-4CE0-9E9A-14D561E3D30A}" type="datetimeFigureOut">
               <a:rPr lang="en-US" smtClean="0"/>
-              <a:t>12/2/2025</a:t>
+              <a:t>12/3/2025</a:t>
             </a:fld>
             <a:endParaRPr lang="en-US"/>
           </a:p>
@@ -858,7 +863,7 @@
           <a:p>
             <a:fld id="{22DB820E-E852-4CE0-9E9A-14D561E3D30A}" type="datetimeFigureOut">
               <a:rPr lang="en-US" smtClean="0"/>
-              <a:t>12/2/2025</a:t>
+              <a:t>12/3/2025</a:t>
             </a:fld>
             <a:endParaRPr lang="en-US"/>
           </a:p>
@@ -1133,7 +1138,7 @@
           <a:p>
             <a:fld id="{22DB820E-E852-4CE0-9E9A-14D561E3D30A}" type="datetimeFigureOut">
               <a:rPr lang="en-US" smtClean="0"/>
-              <a:t>12/2/2025</a:t>
+              <a:t>12/3/2025</a:t>
             </a:fld>
             <a:endParaRPr lang="en-US"/>
           </a:p>
@@ -1398,7 +1403,7 @@
           <a:p>
             <a:fld id="{22DB820E-E852-4CE0-9E9A-14D561E3D30A}" type="datetimeFigureOut">
               <a:rPr lang="en-US" smtClean="0"/>
-              <a:t>12/2/2025</a:t>
+              <a:t>12/3/2025</a:t>
             </a:fld>
             <a:endParaRPr lang="en-US"/>
           </a:p>
@@ -1810,7 +1815,7 @@
           <a:p>
             <a:fld id="{22DB820E-E852-4CE0-9E9A-14D561E3D30A}" type="datetimeFigureOut">
               <a:rPr lang="en-US" smtClean="0"/>
-              <a:t>12/2/2025</a:t>
+              <a:t>12/3/2025</a:t>
             </a:fld>
             <a:endParaRPr lang="en-US"/>
           </a:p>
@@ -1951,7 +1956,7 @@
           <a:p>
             <a:fld id="{22DB820E-E852-4CE0-9E9A-14D561E3D30A}" type="datetimeFigureOut">
               <a:rPr lang="en-US" smtClean="0"/>
-              <a:t>12/2/2025</a:t>
+              <a:t>12/3/2025</a:t>
             </a:fld>
             <a:endParaRPr lang="en-US"/>
           </a:p>
@@ -2064,7 +2069,7 @@
           <a:p>
             <a:fld id="{22DB820E-E852-4CE0-9E9A-14D561E3D30A}" type="datetimeFigureOut">
               <a:rPr lang="en-US" smtClean="0"/>
-              <a:t>12/2/2025</a:t>
+              <a:t>12/3/2025</a:t>
             </a:fld>
             <a:endParaRPr lang="en-US"/>
           </a:p>
@@ -2375,7 +2380,7 @@
           <a:p>
             <a:fld id="{22DB820E-E852-4CE0-9E9A-14D561E3D30A}" type="datetimeFigureOut">
               <a:rPr lang="en-US" smtClean="0"/>
-              <a:t>12/2/2025</a:t>
+              <a:t>12/3/2025</a:t>
             </a:fld>
             <a:endParaRPr lang="en-US"/>
           </a:p>
@@ -2663,7 +2668,7 @@
           <a:p>
             <a:fld id="{22DB820E-E852-4CE0-9E9A-14D561E3D30A}" type="datetimeFigureOut">
               <a:rPr lang="en-US" smtClean="0"/>
-              <a:t>12/2/2025</a:t>
+              <a:t>12/3/2025</a:t>
             </a:fld>
             <a:endParaRPr lang="en-US"/>
           </a:p>
@@ -2904,7 +2909,7 @@
           <a:p>
             <a:fld id="{22DB820E-E852-4CE0-9E9A-14D561E3D30A}" type="datetimeFigureOut">
               <a:rPr lang="en-US" smtClean="0"/>
-              <a:t>12/2/2025</a:t>
+              <a:t>12/3/2025</a:t>
             </a:fld>
             <a:endParaRPr lang="en-US"/>
           </a:p>
@@ -3349,7 +3354,7 @@
         </p:blipFill>
         <p:spPr>
           <a:xfrm>
-            <a:off x="3456990" y="1477547"/>
+            <a:off x="3456990" y="1622663"/>
             <a:ext cx="1390650" cy="1314450"/>
           </a:xfrm>
           <a:prstGeom prst="rect">
@@ -3385,7 +3390,7 @@
         </p:blipFill>
         <p:spPr>
           <a:xfrm>
-            <a:off x="5965729" y="1477547"/>
+            <a:off x="5965729" y="1622663"/>
             <a:ext cx="1390650" cy="1314450"/>
           </a:xfrm>
           <a:prstGeom prst="rect">
@@ -3421,7 +3426,7 @@
         </p:blipFill>
         <p:spPr>
           <a:xfrm>
-            <a:off x="8474468" y="1477547"/>
+            <a:off x="8474468" y="1622663"/>
             <a:ext cx="1390650" cy="1314450"/>
           </a:xfrm>
           <a:prstGeom prst="rect">
@@ -3429,299 +3434,42 @@
           </a:prstGeom>
         </p:spPr>
       </p:pic>
-      <p:grpSp>
-        <p:nvGrpSpPr>
-          <p:cNvPr id="37" name="Group 36">
-            <a:extLst>
-              <a:ext uri="{FF2B5EF4-FFF2-40B4-BE49-F238E27FC236}">
-                <a16:creationId xmlns:a16="http://schemas.microsoft.com/office/drawing/2014/main" id="{9BEAB0E3-E3C0-E8E7-F80F-CAF6D29C063E}"/>
-              </a:ext>
-            </a:extLst>
-          </p:cNvPr>
-          <p:cNvGrpSpPr/>
+      <p:pic>
+        <p:nvPicPr>
+          <p:cNvPr id="5" name="Graphic 4">
+            <a:extLst>
+              <a:ext uri="{FF2B5EF4-FFF2-40B4-BE49-F238E27FC236}">
+                <a16:creationId xmlns:a16="http://schemas.microsoft.com/office/drawing/2014/main" id="{E28553FB-2519-CBB4-A7BA-2BD8E0E26165}"/>
+              </a:ext>
+            </a:extLst>
+          </p:cNvPr>
+          <p:cNvPicPr>
+            <a:picLocks noChangeAspect="1"/>
+          </p:cNvPicPr>
           <p:nvPr/>
-        </p:nvGrpSpPr>
-        <p:grpSpPr>
+        </p:nvPicPr>
+        <p:blipFill>
+          <a:blip r:embed="rId2">
+            <a:extLst>
+              <a:ext uri="{96DAC541-7B7A-43D3-8B79-37D633B846F1}">
+                <asvg:svgBlip xmlns:asvg="http://schemas.microsoft.com/office/drawing/2016/SVG/main" r:embed="rId3"/>
+              </a:ext>
+            </a:extLst>
+          </a:blip>
+          <a:stretch>
+            <a:fillRect/>
+          </a:stretch>
+        </p:blipFill>
+        <p:spPr>
           <a:xfrm>
-            <a:off x="793416" y="1189020"/>
-            <a:ext cx="1545485" cy="1602977"/>
-            <a:chOff x="793416" y="1189020"/>
-            <a:chExt cx="1545485" cy="1602977"/>
+            <a:off x="12794278" y="1622663"/>
+            <a:ext cx="1390650" cy="1314450"/>
           </a:xfrm>
-        </p:grpSpPr>
-        <p:pic>
-          <p:nvPicPr>
-            <p:cNvPr id="5" name="Graphic 4">
-              <a:extLst>
-                <a:ext uri="{FF2B5EF4-FFF2-40B4-BE49-F238E27FC236}">
-                  <a16:creationId xmlns:a16="http://schemas.microsoft.com/office/drawing/2014/main" id="{E28553FB-2519-CBB4-A7BA-2BD8E0E26165}"/>
-                </a:ext>
-              </a:extLst>
-            </p:cNvPr>
-            <p:cNvPicPr>
-              <a:picLocks noChangeAspect="1"/>
-            </p:cNvPicPr>
-            <p:nvPr/>
-          </p:nvPicPr>
-          <p:blipFill>
-            <a:blip r:embed="rId2">
-              <a:extLst>
-                <a:ext uri="{96DAC541-7B7A-43D3-8B79-37D633B846F1}">
-                  <asvg:svgBlip xmlns:asvg="http://schemas.microsoft.com/office/drawing/2016/SVG/main" r:embed="rId3"/>
-                </a:ext>
-              </a:extLst>
-            </a:blip>
-            <a:stretch>
-              <a:fillRect/>
-            </a:stretch>
-          </p:blipFill>
-          <p:spPr>
-            <a:xfrm>
-              <a:off x="948251" y="1477547"/>
-              <a:ext cx="1390650" cy="1314450"/>
-            </a:xfrm>
-            <a:prstGeom prst="rect">
-              <a:avLst/>
-            </a:prstGeom>
-          </p:spPr>
-        </p:pic>
-        <p:grpSp>
-          <p:nvGrpSpPr>
-            <p:cNvPr id="34" name="Group 33">
-              <a:extLst>
-                <a:ext uri="{FF2B5EF4-FFF2-40B4-BE49-F238E27FC236}">
-                  <a16:creationId xmlns:a16="http://schemas.microsoft.com/office/drawing/2014/main" id="{6776556C-532D-84F9-E33A-724BEC433989}"/>
-                </a:ext>
-              </a:extLst>
-            </p:cNvPr>
-            <p:cNvGrpSpPr/>
-            <p:nvPr/>
-          </p:nvGrpSpPr>
-          <p:grpSpPr>
-            <a:xfrm>
-              <a:off x="793416" y="1189020"/>
-              <a:ext cx="436834" cy="589430"/>
-              <a:chOff x="1220136" y="4065805"/>
-              <a:chExt cx="436834" cy="589430"/>
-            </a:xfrm>
-          </p:grpSpPr>
-          <p:sp>
-            <p:nvSpPr>
-              <p:cNvPr id="22" name="TextBox 21">
-                <a:extLst>
-                  <a:ext uri="{FF2B5EF4-FFF2-40B4-BE49-F238E27FC236}">
-                    <a16:creationId xmlns:a16="http://schemas.microsoft.com/office/drawing/2014/main" id="{F12044E7-5BD8-A358-5CBA-C57059DA06A9}"/>
-                  </a:ext>
-                </a:extLst>
-              </p:cNvPr>
-              <p:cNvSpPr txBox="1"/>
-              <p:nvPr/>
-            </p:nvSpPr>
-            <p:spPr>
-              <a:xfrm>
-                <a:off x="1220136" y="4065805"/>
-                <a:ext cx="436834" cy="407580"/>
-              </a:xfrm>
-              <a:custGeom>
-                <a:avLst/>
-                <a:gdLst/>
-                <a:ahLst/>
-                <a:cxnLst/>
-                <a:rect l="l" t="t" r="r" b="b"/>
-                <a:pathLst>
-                  <a:path w="436834" h="407580">
-                    <a:moveTo>
-                      <a:pt x="225730" y="0"/>
-                    </a:moveTo>
-                    <a:cubicBezTo>
-                      <a:pt x="283184" y="0"/>
-                      <a:pt x="329569" y="11992"/>
-                      <a:pt x="364884" y="35975"/>
-                    </a:cubicBezTo>
-                    <a:cubicBezTo>
-                      <a:pt x="412851" y="68391"/>
-                      <a:pt x="436834" y="111613"/>
-                      <a:pt x="436834" y="165641"/>
-                    </a:cubicBezTo>
-                    <a:cubicBezTo>
-                      <a:pt x="436834" y="188043"/>
-                      <a:pt x="430640" y="209654"/>
-                      <a:pt x="418253" y="230474"/>
-                    </a:cubicBezTo>
-                    <a:cubicBezTo>
-                      <a:pt x="405866" y="251295"/>
-                      <a:pt x="380566" y="276727"/>
-                      <a:pt x="342351" y="306772"/>
-                    </a:cubicBezTo>
-                    <a:cubicBezTo>
-                      <a:pt x="315732" y="327856"/>
-                      <a:pt x="298931" y="344789"/>
-                      <a:pt x="291947" y="357571"/>
-                    </a:cubicBezTo>
-                    <a:cubicBezTo>
-                      <a:pt x="284963" y="370353"/>
-                      <a:pt x="281471" y="387023"/>
-                      <a:pt x="281471" y="407580"/>
-                    </a:cubicBezTo>
-                    <a:lnTo>
-                      <a:pt x="131248" y="407580"/>
-                    </a:lnTo>
-                    <a:lnTo>
-                      <a:pt x="131248" y="392558"/>
-                    </a:lnTo>
-                    <a:cubicBezTo>
-                      <a:pt x="131248" y="366993"/>
-                      <a:pt x="134147" y="346239"/>
-                      <a:pt x="139945" y="330294"/>
-                    </a:cubicBezTo>
-                    <a:cubicBezTo>
-                      <a:pt x="145743" y="314349"/>
-                      <a:pt x="154374" y="299788"/>
-                      <a:pt x="165838" y="286611"/>
-                    </a:cubicBezTo>
-                    <a:cubicBezTo>
-                      <a:pt x="177303" y="273433"/>
-                      <a:pt x="203065" y="250241"/>
-                      <a:pt x="243124" y="217033"/>
-                    </a:cubicBezTo>
-                    <a:cubicBezTo>
-                      <a:pt x="264472" y="199639"/>
-                      <a:pt x="275146" y="183694"/>
-                      <a:pt x="275146" y="169199"/>
-                    </a:cubicBezTo>
-                    <a:cubicBezTo>
-                      <a:pt x="275146" y="154704"/>
-                      <a:pt x="270863" y="143437"/>
-                      <a:pt x="262298" y="135399"/>
-                    </a:cubicBezTo>
-                    <a:cubicBezTo>
-                      <a:pt x="253732" y="127360"/>
-                      <a:pt x="240753" y="123341"/>
-                      <a:pt x="223358" y="123341"/>
-                    </a:cubicBezTo>
-                    <a:cubicBezTo>
-                      <a:pt x="204646" y="123341"/>
-                      <a:pt x="189163" y="129535"/>
-                      <a:pt x="176908" y="141922"/>
-                    </a:cubicBezTo>
-                    <a:cubicBezTo>
-                      <a:pt x="164653" y="154309"/>
-                      <a:pt x="156812" y="175920"/>
-                      <a:pt x="153386" y="206755"/>
-                    </a:cubicBezTo>
-                    <a:lnTo>
-                      <a:pt x="0" y="187779"/>
-                    </a:lnTo>
-                    <a:cubicBezTo>
-                      <a:pt x="5271" y="131380"/>
-                      <a:pt x="25762" y="85983"/>
-                      <a:pt x="61473" y="51590"/>
-                    </a:cubicBezTo>
-                    <a:cubicBezTo>
-                      <a:pt x="97184" y="17197"/>
-                      <a:pt x="151936" y="0"/>
-                      <a:pt x="225730" y="0"/>
-                    </a:cubicBezTo>
-                    <a:close/>
-                  </a:path>
-                </a:pathLst>
-              </a:custGeom>
-              <a:solidFill>
-                <a:schemeClr val="tx1"/>
-              </a:solidFill>
-              <a:ln>
-                <a:noFill/>
-              </a:ln>
-              <a:effectLst/>
-            </p:spPr>
-            <p:txBody>
-              <a:bodyPr rot="0" spcFirstLastPara="0" vertOverflow="overflow" horzOverflow="overflow" vert="horz" wrap="square" lIns="91440" tIns="45720" rIns="91440" bIns="45720" numCol="1" spcCol="0" rtlCol="0" fromWordArt="0" anchor="t" anchorCtr="0" forceAA="0" compatLnSpc="1">
-                <a:prstTxWarp prst="textNoShape">
-                  <a:avLst/>
-                </a:prstTxWarp>
-                <a:noAutofit/>
-              </a:bodyPr>
-              <a:lstStyle/>
-              <a:p>
-                <a:endParaRPr lang="en-US" sz="6400" dirty="0">
-                  <a:latin typeface="Arial Black" panose="020B0A04020102020204" pitchFamily="34" charset="0"/>
-                  <a:ea typeface="ADLaM Display" panose="020F0502020204030204" pitchFamily="2" charset="0"/>
-                  <a:cs typeface="ADLaM Display" panose="020F0502020204030204" pitchFamily="2" charset="0"/>
-                </a:endParaRPr>
-              </a:p>
-            </p:txBody>
-          </p:sp>
-          <p:sp>
-            <p:nvSpPr>
-              <p:cNvPr id="21" name="TextBox 20">
-                <a:extLst>
-                  <a:ext uri="{FF2B5EF4-FFF2-40B4-BE49-F238E27FC236}">
-                    <a16:creationId xmlns:a16="http://schemas.microsoft.com/office/drawing/2014/main" id="{A9DADF0B-242D-907A-35C8-38E7188D38AE}"/>
-                  </a:ext>
-                </a:extLst>
-              </p:cNvPr>
-              <p:cNvSpPr txBox="1"/>
-              <p:nvPr/>
-            </p:nvSpPr>
-            <p:spPr>
-              <a:xfrm>
-                <a:off x="1346244" y="4513314"/>
-                <a:ext cx="160898" cy="141921"/>
-              </a:xfrm>
-              <a:custGeom>
-                <a:avLst/>
-                <a:gdLst/>
-                <a:ahLst/>
-                <a:cxnLst/>
-                <a:rect l="l" t="t" r="r" b="b"/>
-                <a:pathLst>
-                  <a:path w="160898" h="141921">
-                    <a:moveTo>
-                      <a:pt x="0" y="0"/>
-                    </a:moveTo>
-                    <a:lnTo>
-                      <a:pt x="160898" y="0"/>
-                    </a:lnTo>
-                    <a:lnTo>
-                      <a:pt x="160898" y="141921"/>
-                    </a:lnTo>
-                    <a:lnTo>
-                      <a:pt x="0" y="141921"/>
-                    </a:lnTo>
-                    <a:lnTo>
-                      <a:pt x="0" y="0"/>
-                    </a:lnTo>
-                    <a:close/>
-                  </a:path>
-                </a:pathLst>
-              </a:custGeom>
-              <a:solidFill>
-                <a:schemeClr val="tx1"/>
-              </a:solidFill>
-              <a:ln>
-                <a:noFill/>
-              </a:ln>
-              <a:effectLst/>
-            </p:spPr>
-            <p:txBody>
-              <a:bodyPr rot="0" spcFirstLastPara="0" vertOverflow="overflow" horzOverflow="overflow" vert="horz" wrap="square" lIns="91440" tIns="45720" rIns="91440" bIns="45720" numCol="1" spcCol="0" rtlCol="0" fromWordArt="0" anchor="t" anchorCtr="0" forceAA="0" compatLnSpc="1">
-                <a:prstTxWarp prst="textNoShape">
-                  <a:avLst/>
-                </a:prstTxWarp>
-                <a:noAutofit/>
-              </a:bodyPr>
-              <a:lstStyle/>
-              <a:p>
-                <a:endParaRPr lang="en-US" sz="6400" dirty="0">
-                  <a:latin typeface="Arial Black" panose="020B0A04020102020204" pitchFamily="34" charset="0"/>
-                  <a:ea typeface="ADLaM Display" panose="020F0502020204030204" pitchFamily="2" charset="0"/>
-                  <a:cs typeface="ADLaM Display" panose="020F0502020204030204" pitchFamily="2" charset="0"/>
-                </a:endParaRPr>
-              </a:p>
-            </p:txBody>
-          </p:sp>
-        </p:grpSp>
-      </p:grpSp>
+          <a:prstGeom prst="rect">
+            <a:avLst/>
+          </a:prstGeom>
+        </p:spPr>
+      </p:pic>
       <p:sp>
         <p:nvSpPr>
           <p:cNvPr id="26" name="TextBox 25">
@@ -3736,7 +3484,7 @@
         </p:nvSpPr>
         <p:spPr>
           <a:xfrm>
-            <a:off x="3240341" y="1150360"/>
+            <a:off x="3240341" y="1196726"/>
             <a:ext cx="461367" cy="666750"/>
           </a:xfrm>
           <a:custGeom>
@@ -3982,7 +3730,7 @@
         </p:nvGrpSpPr>
         <p:grpSpPr>
           <a:xfrm>
-            <a:off x="5423576" y="1229909"/>
+            <a:off x="5423576" y="1276275"/>
             <a:ext cx="766279" cy="507653"/>
             <a:chOff x="6414176" y="4088398"/>
             <a:chExt cx="766279" cy="507653"/>
@@ -4266,7 +4014,7 @@
         </p:nvGrpSpPr>
         <p:grpSpPr>
           <a:xfrm>
-            <a:off x="8474468" y="1193962"/>
+            <a:off x="8474468" y="1240328"/>
             <a:ext cx="171967" cy="579547"/>
             <a:chOff x="8999180" y="4055013"/>
             <a:chExt cx="171967" cy="579547"/>
@@ -4417,6 +4165,386 @@
           </p:txBody>
         </p:sp>
       </p:grpSp>
+      <p:pic>
+        <p:nvPicPr>
+          <p:cNvPr id="3" name="Graphic 2">
+            <a:extLst>
+              <a:ext uri="{FF2B5EF4-FFF2-40B4-BE49-F238E27FC236}">
+                <a16:creationId xmlns:a16="http://schemas.microsoft.com/office/drawing/2014/main" id="{A82EE544-5EC9-BA72-465B-D7149A95A138}"/>
+              </a:ext>
+            </a:extLst>
+          </p:cNvPr>
+          <p:cNvPicPr>
+            <a:picLocks noChangeAspect="1"/>
+          </p:cNvPicPr>
+          <p:nvPr/>
+        </p:nvPicPr>
+        <p:blipFill>
+          <a:blip r:embed="rId2">
+            <a:extLst>
+              <a:ext uri="{96DAC541-7B7A-43D3-8B79-37D633B846F1}">
+                <asvg:svgBlip xmlns:asvg="http://schemas.microsoft.com/office/drawing/2016/SVG/main" r:embed="rId3"/>
+              </a:ext>
+            </a:extLst>
+          </a:blip>
+          <a:stretch>
+            <a:fillRect/>
+          </a:stretch>
+        </p:blipFill>
+        <p:spPr>
+          <a:xfrm>
+            <a:off x="1100651" y="1622663"/>
+            <a:ext cx="1390650" cy="1314450"/>
+          </a:xfrm>
+          <a:prstGeom prst="rect">
+            <a:avLst/>
+          </a:prstGeom>
+        </p:spPr>
+      </p:pic>
+      <p:grpSp>
+        <p:nvGrpSpPr>
+          <p:cNvPr id="4" name="Group 3">
+            <a:extLst>
+              <a:ext uri="{FF2B5EF4-FFF2-40B4-BE49-F238E27FC236}">
+                <a16:creationId xmlns:a16="http://schemas.microsoft.com/office/drawing/2014/main" id="{CFFDD934-E866-A03E-FA4E-C03ED3CC104B}"/>
+              </a:ext>
+            </a:extLst>
+          </p:cNvPr>
+          <p:cNvGrpSpPr/>
+          <p:nvPr/>
+        </p:nvGrpSpPr>
+        <p:grpSpPr>
+          <a:xfrm>
+            <a:off x="945816" y="1235386"/>
+            <a:ext cx="436834" cy="589430"/>
+            <a:chOff x="1220136" y="4065805"/>
+            <a:chExt cx="436834" cy="589430"/>
+          </a:xfrm>
+        </p:grpSpPr>
+        <p:sp>
+          <p:nvSpPr>
+            <p:cNvPr id="9" name="TextBox 8">
+              <a:extLst>
+                <a:ext uri="{FF2B5EF4-FFF2-40B4-BE49-F238E27FC236}">
+                  <a16:creationId xmlns:a16="http://schemas.microsoft.com/office/drawing/2014/main" id="{81636188-1A6E-E65C-E75F-0BC34574E786}"/>
+                </a:ext>
+              </a:extLst>
+            </p:cNvPr>
+            <p:cNvSpPr txBox="1"/>
+            <p:nvPr/>
+          </p:nvSpPr>
+          <p:spPr>
+            <a:xfrm>
+              <a:off x="1220136" y="4065805"/>
+              <a:ext cx="436834" cy="407580"/>
+            </a:xfrm>
+            <a:custGeom>
+              <a:avLst/>
+              <a:gdLst/>
+              <a:ahLst/>
+              <a:cxnLst/>
+              <a:rect l="l" t="t" r="r" b="b"/>
+              <a:pathLst>
+                <a:path w="436834" h="407580">
+                  <a:moveTo>
+                    <a:pt x="225730" y="0"/>
+                  </a:moveTo>
+                  <a:cubicBezTo>
+                    <a:pt x="283184" y="0"/>
+                    <a:pt x="329569" y="11992"/>
+                    <a:pt x="364884" y="35975"/>
+                  </a:cubicBezTo>
+                  <a:cubicBezTo>
+                    <a:pt x="412851" y="68391"/>
+                    <a:pt x="436834" y="111613"/>
+                    <a:pt x="436834" y="165641"/>
+                  </a:cubicBezTo>
+                  <a:cubicBezTo>
+                    <a:pt x="436834" y="188043"/>
+                    <a:pt x="430640" y="209654"/>
+                    <a:pt x="418253" y="230474"/>
+                  </a:cubicBezTo>
+                  <a:cubicBezTo>
+                    <a:pt x="405866" y="251295"/>
+                    <a:pt x="380566" y="276727"/>
+                    <a:pt x="342351" y="306772"/>
+                  </a:cubicBezTo>
+                  <a:cubicBezTo>
+                    <a:pt x="315732" y="327856"/>
+                    <a:pt x="298931" y="344789"/>
+                    <a:pt x="291947" y="357571"/>
+                  </a:cubicBezTo>
+                  <a:cubicBezTo>
+                    <a:pt x="284963" y="370353"/>
+                    <a:pt x="281471" y="387023"/>
+                    <a:pt x="281471" y="407580"/>
+                  </a:cubicBezTo>
+                  <a:lnTo>
+                    <a:pt x="131248" y="407580"/>
+                  </a:lnTo>
+                  <a:lnTo>
+                    <a:pt x="131248" y="392558"/>
+                  </a:lnTo>
+                  <a:cubicBezTo>
+                    <a:pt x="131248" y="366993"/>
+                    <a:pt x="134147" y="346239"/>
+                    <a:pt x="139945" y="330294"/>
+                  </a:cubicBezTo>
+                  <a:cubicBezTo>
+                    <a:pt x="145743" y="314349"/>
+                    <a:pt x="154374" y="299788"/>
+                    <a:pt x="165838" y="286611"/>
+                  </a:cubicBezTo>
+                  <a:cubicBezTo>
+                    <a:pt x="177303" y="273433"/>
+                    <a:pt x="203065" y="250241"/>
+                    <a:pt x="243124" y="217033"/>
+                  </a:cubicBezTo>
+                  <a:cubicBezTo>
+                    <a:pt x="264472" y="199639"/>
+                    <a:pt x="275146" y="183694"/>
+                    <a:pt x="275146" y="169199"/>
+                  </a:cubicBezTo>
+                  <a:cubicBezTo>
+                    <a:pt x="275146" y="154704"/>
+                    <a:pt x="270863" y="143437"/>
+                    <a:pt x="262298" y="135399"/>
+                  </a:cubicBezTo>
+                  <a:cubicBezTo>
+                    <a:pt x="253732" y="127360"/>
+                    <a:pt x="240753" y="123341"/>
+                    <a:pt x="223358" y="123341"/>
+                  </a:cubicBezTo>
+                  <a:cubicBezTo>
+                    <a:pt x="204646" y="123341"/>
+                    <a:pt x="189163" y="129535"/>
+                    <a:pt x="176908" y="141922"/>
+                  </a:cubicBezTo>
+                  <a:cubicBezTo>
+                    <a:pt x="164653" y="154309"/>
+                    <a:pt x="156812" y="175920"/>
+                    <a:pt x="153386" y="206755"/>
+                  </a:cubicBezTo>
+                  <a:lnTo>
+                    <a:pt x="0" y="187779"/>
+                  </a:lnTo>
+                  <a:cubicBezTo>
+                    <a:pt x="5271" y="131380"/>
+                    <a:pt x="25762" y="85983"/>
+                    <a:pt x="61473" y="51590"/>
+                  </a:cubicBezTo>
+                  <a:cubicBezTo>
+                    <a:pt x="97184" y="17197"/>
+                    <a:pt x="151936" y="0"/>
+                    <a:pt x="225730" y="0"/>
+                  </a:cubicBezTo>
+                  <a:close/>
+                </a:path>
+              </a:pathLst>
+            </a:custGeom>
+            <a:solidFill>
+              <a:schemeClr val="tx1"/>
+            </a:solidFill>
+            <a:ln>
+              <a:noFill/>
+            </a:ln>
+            <a:effectLst/>
+          </p:spPr>
+          <p:txBody>
+            <a:bodyPr rot="0" spcFirstLastPara="0" vertOverflow="overflow" horzOverflow="overflow" vert="horz" wrap="square" lIns="91440" tIns="45720" rIns="91440" bIns="45720" numCol="1" spcCol="0" rtlCol="0" fromWordArt="0" anchor="t" anchorCtr="0" forceAA="0" compatLnSpc="1">
+              <a:prstTxWarp prst="textNoShape">
+                <a:avLst/>
+              </a:prstTxWarp>
+              <a:noAutofit/>
+            </a:bodyPr>
+            <a:lstStyle/>
+            <a:p>
+              <a:endParaRPr lang="en-US" sz="6400" dirty="0">
+                <a:latin typeface="Arial Black" panose="020B0A04020102020204" pitchFamily="34" charset="0"/>
+                <a:ea typeface="ADLaM Display" panose="020F0502020204030204" pitchFamily="2" charset="0"/>
+                <a:cs typeface="ADLaM Display" panose="020F0502020204030204" pitchFamily="2" charset="0"/>
+              </a:endParaRPr>
+            </a:p>
+          </p:txBody>
+        </p:sp>
+        <p:sp>
+          <p:nvSpPr>
+            <p:cNvPr id="10" name="TextBox 9">
+              <a:extLst>
+                <a:ext uri="{FF2B5EF4-FFF2-40B4-BE49-F238E27FC236}">
+                  <a16:creationId xmlns:a16="http://schemas.microsoft.com/office/drawing/2014/main" id="{A509B5FD-F2FC-AE33-3BE1-90F2808D5214}"/>
+                </a:ext>
+              </a:extLst>
+            </p:cNvPr>
+            <p:cNvSpPr txBox="1"/>
+            <p:nvPr/>
+          </p:nvSpPr>
+          <p:spPr>
+            <a:xfrm>
+              <a:off x="1346244" y="4513314"/>
+              <a:ext cx="160898" cy="141921"/>
+            </a:xfrm>
+            <a:custGeom>
+              <a:avLst/>
+              <a:gdLst/>
+              <a:ahLst/>
+              <a:cxnLst/>
+              <a:rect l="l" t="t" r="r" b="b"/>
+              <a:pathLst>
+                <a:path w="160898" h="141921">
+                  <a:moveTo>
+                    <a:pt x="0" y="0"/>
+                  </a:moveTo>
+                  <a:lnTo>
+                    <a:pt x="160898" y="0"/>
+                  </a:lnTo>
+                  <a:lnTo>
+                    <a:pt x="160898" y="141921"/>
+                  </a:lnTo>
+                  <a:lnTo>
+                    <a:pt x="0" y="141921"/>
+                  </a:lnTo>
+                  <a:lnTo>
+                    <a:pt x="0" y="0"/>
+                  </a:lnTo>
+                  <a:close/>
+                </a:path>
+              </a:pathLst>
+            </a:custGeom>
+            <a:solidFill>
+              <a:schemeClr val="tx1"/>
+            </a:solidFill>
+            <a:ln>
+              <a:noFill/>
+            </a:ln>
+            <a:effectLst/>
+          </p:spPr>
+          <p:txBody>
+            <a:bodyPr rot="0" spcFirstLastPara="0" vertOverflow="overflow" horzOverflow="overflow" vert="horz" wrap="square" lIns="91440" tIns="45720" rIns="91440" bIns="45720" numCol="1" spcCol="0" rtlCol="0" fromWordArt="0" anchor="t" anchorCtr="0" forceAA="0" compatLnSpc="1">
+              <a:prstTxWarp prst="textNoShape">
+                <a:avLst/>
+              </a:prstTxWarp>
+              <a:noAutofit/>
+            </a:bodyPr>
+            <a:lstStyle/>
+            <a:p>
+              <a:endParaRPr lang="en-US" sz="6400" dirty="0">
+                <a:latin typeface="Arial Black" panose="020B0A04020102020204" pitchFamily="34" charset="0"/>
+                <a:ea typeface="ADLaM Display" panose="020F0502020204030204" pitchFamily="2" charset="0"/>
+                <a:cs typeface="ADLaM Display" panose="020F0502020204030204" pitchFamily="2" charset="0"/>
+              </a:endParaRPr>
+            </a:p>
+          </p:txBody>
+        </p:sp>
+      </p:grpSp>
+      <p:pic>
+        <p:nvPicPr>
+          <p:cNvPr id="12" name="Graphic 11">
+            <a:extLst>
+              <a:ext uri="{FF2B5EF4-FFF2-40B4-BE49-F238E27FC236}">
+                <a16:creationId xmlns:a16="http://schemas.microsoft.com/office/drawing/2014/main" id="{140B2A97-1413-0E30-CC7E-729A8CC80626}"/>
+              </a:ext>
+            </a:extLst>
+          </p:cNvPr>
+          <p:cNvPicPr>
+            <a:picLocks noChangeAspect="1"/>
+          </p:cNvPicPr>
+          <p:nvPr/>
+        </p:nvPicPr>
+        <p:blipFill>
+          <a:blip r:embed="rId2">
+            <a:extLst>
+              <a:ext uri="{96DAC541-7B7A-43D3-8B79-37D633B846F1}">
+                <asvg:svgBlip xmlns:asvg="http://schemas.microsoft.com/office/drawing/2016/SVG/main" r:embed="rId3"/>
+              </a:ext>
+            </a:extLst>
+          </a:blip>
+          <a:stretch>
+            <a:fillRect/>
+          </a:stretch>
+        </p:blipFill>
+        <p:spPr>
+          <a:xfrm>
+            <a:off x="10716447" y="1622663"/>
+            <a:ext cx="1390650" cy="1314450"/>
+          </a:xfrm>
+          <a:prstGeom prst="rect">
+            <a:avLst/>
+          </a:prstGeom>
+        </p:spPr>
+      </p:pic>
+      <p:pic>
+        <p:nvPicPr>
+          <p:cNvPr id="25" name="Graphic 24" descr="Radio microphone with solid fill">
+            <a:extLst>
+              <a:ext uri="{FF2B5EF4-FFF2-40B4-BE49-F238E27FC236}">
+                <a16:creationId xmlns:a16="http://schemas.microsoft.com/office/drawing/2014/main" id="{6A529EA3-F659-85C4-D2B8-02320794FEC7}"/>
+              </a:ext>
+            </a:extLst>
+          </p:cNvPr>
+          <p:cNvPicPr>
+            <a:picLocks noChangeAspect="1"/>
+          </p:cNvPicPr>
+          <p:nvPr/>
+        </p:nvPicPr>
+        <p:blipFill>
+          <a:blip r:embed="rId4">
+            <a:extLst>
+              <a:ext uri="{96DAC541-7B7A-43D3-8B79-37D633B846F1}">
+                <asvg:svgBlip xmlns:asvg="http://schemas.microsoft.com/office/drawing/2016/SVG/main" r:embed="rId5"/>
+              </a:ext>
+            </a:extLst>
+          </a:blip>
+          <a:stretch>
+            <a:fillRect/>
+          </a:stretch>
+        </p:blipFill>
+        <p:spPr>
+          <a:xfrm>
+            <a:off x="12478149" y="1199938"/>
+            <a:ext cx="660326" cy="660326"/>
+          </a:xfrm>
+          <a:prstGeom prst="rect">
+            <a:avLst/>
+          </a:prstGeom>
+        </p:spPr>
+      </p:pic>
+      <p:pic>
+        <p:nvPicPr>
+          <p:cNvPr id="40" name="Graphic 39" descr="Palette with solid fill">
+            <a:extLst>
+              <a:ext uri="{FF2B5EF4-FFF2-40B4-BE49-F238E27FC236}">
+                <a16:creationId xmlns:a16="http://schemas.microsoft.com/office/drawing/2014/main" id="{B1D12158-6488-2BF9-7EBD-6A713D7EF463}"/>
+              </a:ext>
+            </a:extLst>
+          </p:cNvPr>
+          <p:cNvPicPr>
+            <a:picLocks noChangeAspect="1"/>
+          </p:cNvPicPr>
+          <p:nvPr/>
+        </p:nvPicPr>
+        <p:blipFill>
+          <a:blip r:embed="rId6">
+            <a:extLst>
+              <a:ext uri="{96DAC541-7B7A-43D3-8B79-37D633B846F1}">
+                <asvg:svgBlip xmlns:asvg="http://schemas.microsoft.com/office/drawing/2016/SVG/main" r:embed="rId7"/>
+              </a:ext>
+            </a:extLst>
+          </a:blip>
+          <a:stretch>
+            <a:fillRect/>
+          </a:stretch>
+        </p:blipFill>
+        <p:spPr>
+          <a:xfrm>
+            <a:off x="10283104" y="1146758"/>
+            <a:ext cx="766687" cy="766687"/>
+          </a:xfrm>
+          <a:prstGeom prst="rect">
+            <a:avLst/>
+          </a:prstGeom>
+        </p:spPr>
+      </p:pic>
     </p:spTree>
     <p:extLst>
       <p:ext uri="{BB962C8B-B14F-4D97-AF65-F5344CB8AC3E}">

--- a/demeterics-node.pptx
+++ b/demeterics-node.pptx
@@ -259,7 +259,7 @@
           <a:p>
             <a:fld id="{22DB820E-E852-4CE0-9E9A-14D561E3D30A}" type="datetimeFigureOut">
               <a:rPr lang="en-US" smtClean="0"/>
-              <a:t>12/3/2025</a:t>
+              <a:t>12/8/2025</a:t>
             </a:fld>
             <a:endParaRPr lang="en-US"/>
           </a:p>
@@ -457,7 +457,7 @@
           <a:p>
             <a:fld id="{22DB820E-E852-4CE0-9E9A-14D561E3D30A}" type="datetimeFigureOut">
               <a:rPr lang="en-US" smtClean="0"/>
-              <a:t>12/3/2025</a:t>
+              <a:t>12/8/2025</a:t>
             </a:fld>
             <a:endParaRPr lang="en-US"/>
           </a:p>
@@ -665,7 +665,7 @@
           <a:p>
             <a:fld id="{22DB820E-E852-4CE0-9E9A-14D561E3D30A}" type="datetimeFigureOut">
               <a:rPr lang="en-US" smtClean="0"/>
-              <a:t>12/3/2025</a:t>
+              <a:t>12/8/2025</a:t>
             </a:fld>
             <a:endParaRPr lang="en-US"/>
           </a:p>
@@ -863,7 +863,7 @@
           <a:p>
             <a:fld id="{22DB820E-E852-4CE0-9E9A-14D561E3D30A}" type="datetimeFigureOut">
               <a:rPr lang="en-US" smtClean="0"/>
-              <a:t>12/3/2025</a:t>
+              <a:t>12/8/2025</a:t>
             </a:fld>
             <a:endParaRPr lang="en-US"/>
           </a:p>
@@ -1138,7 +1138,7 @@
           <a:p>
             <a:fld id="{22DB820E-E852-4CE0-9E9A-14D561E3D30A}" type="datetimeFigureOut">
               <a:rPr lang="en-US" smtClean="0"/>
-              <a:t>12/3/2025</a:t>
+              <a:t>12/8/2025</a:t>
             </a:fld>
             <a:endParaRPr lang="en-US"/>
           </a:p>
@@ -1403,7 +1403,7 @@
           <a:p>
             <a:fld id="{22DB820E-E852-4CE0-9E9A-14D561E3D30A}" type="datetimeFigureOut">
               <a:rPr lang="en-US" smtClean="0"/>
-              <a:t>12/3/2025</a:t>
+              <a:t>12/8/2025</a:t>
             </a:fld>
             <a:endParaRPr lang="en-US"/>
           </a:p>
@@ -1815,7 +1815,7 @@
           <a:p>
             <a:fld id="{22DB820E-E852-4CE0-9E9A-14D561E3D30A}" type="datetimeFigureOut">
               <a:rPr lang="en-US" smtClean="0"/>
-              <a:t>12/3/2025</a:t>
+              <a:t>12/8/2025</a:t>
             </a:fld>
             <a:endParaRPr lang="en-US"/>
           </a:p>
@@ -1956,7 +1956,7 @@
           <a:p>
             <a:fld id="{22DB820E-E852-4CE0-9E9A-14D561E3D30A}" type="datetimeFigureOut">
               <a:rPr lang="en-US" smtClean="0"/>
-              <a:t>12/3/2025</a:t>
+              <a:t>12/8/2025</a:t>
             </a:fld>
             <a:endParaRPr lang="en-US"/>
           </a:p>
@@ -2069,7 +2069,7 @@
           <a:p>
             <a:fld id="{22DB820E-E852-4CE0-9E9A-14D561E3D30A}" type="datetimeFigureOut">
               <a:rPr lang="en-US" smtClean="0"/>
-              <a:t>12/3/2025</a:t>
+              <a:t>12/8/2025</a:t>
             </a:fld>
             <a:endParaRPr lang="en-US"/>
           </a:p>
@@ -2380,7 +2380,7 @@
           <a:p>
             <a:fld id="{22DB820E-E852-4CE0-9E9A-14D561E3D30A}" type="datetimeFigureOut">
               <a:rPr lang="en-US" smtClean="0"/>
-              <a:t>12/3/2025</a:t>
+              <a:t>12/8/2025</a:t>
             </a:fld>
             <a:endParaRPr lang="en-US"/>
           </a:p>
@@ -2668,7 +2668,7 @@
           <a:p>
             <a:fld id="{22DB820E-E852-4CE0-9E9A-14D561E3D30A}" type="datetimeFigureOut">
               <a:rPr lang="en-US" smtClean="0"/>
-              <a:t>12/3/2025</a:t>
+              <a:t>12/8/2025</a:t>
             </a:fld>
             <a:endParaRPr lang="en-US"/>
           </a:p>
@@ -2909,7 +2909,7 @@
           <a:p>
             <a:fld id="{22DB820E-E852-4CE0-9E9A-14D561E3D30A}" type="datetimeFigureOut">
               <a:rPr lang="en-US" smtClean="0"/>
-              <a:t>12/3/2025</a:t>
+              <a:t>12/8/2025</a:t>
             </a:fld>
             <a:endParaRPr lang="en-US"/>
           </a:p>
@@ -3462,7 +3462,7 @@
         </p:blipFill>
         <p:spPr>
           <a:xfrm>
-            <a:off x="12794278" y="1622663"/>
+            <a:off x="14760092" y="1622663"/>
             <a:ext cx="1390650" cy="1314450"/>
           </a:xfrm>
           <a:prstGeom prst="rect">
@@ -4545,6 +4545,703 @@
           </a:prstGeom>
         </p:spPr>
       </p:pic>
+      <p:pic>
+        <p:nvPicPr>
+          <p:cNvPr id="2" name="Graphic 1">
+            <a:extLst>
+              <a:ext uri="{FF2B5EF4-FFF2-40B4-BE49-F238E27FC236}">
+                <a16:creationId xmlns:a16="http://schemas.microsoft.com/office/drawing/2014/main" id="{ABC5103D-0917-49A8-4B32-B86E438BCCD1}"/>
+              </a:ext>
+            </a:extLst>
+          </p:cNvPr>
+          <p:cNvPicPr>
+            <a:picLocks noChangeAspect="1"/>
+          </p:cNvPicPr>
+          <p:nvPr/>
+        </p:nvPicPr>
+        <p:blipFill>
+          <a:blip r:embed="rId2">
+            <a:extLst>
+              <a:ext uri="{96DAC541-7B7A-43D3-8B79-37D633B846F1}">
+                <asvg:svgBlip xmlns:asvg="http://schemas.microsoft.com/office/drawing/2016/SVG/main" r:embed="rId3"/>
+              </a:ext>
+            </a:extLst>
+          </a:blip>
+          <a:stretch>
+            <a:fillRect/>
+          </a:stretch>
+        </p:blipFill>
+        <p:spPr>
+          <a:xfrm>
+            <a:off x="12946678" y="1775063"/>
+            <a:ext cx="1390650" cy="1314450"/>
+          </a:xfrm>
+          <a:prstGeom prst="rect">
+            <a:avLst/>
+          </a:prstGeom>
+        </p:spPr>
+      </p:pic>
+      <p:grpSp>
+        <p:nvGrpSpPr>
+          <p:cNvPr id="48" name="Group 47">
+            <a:extLst>
+              <a:ext uri="{FF2B5EF4-FFF2-40B4-BE49-F238E27FC236}">
+                <a16:creationId xmlns:a16="http://schemas.microsoft.com/office/drawing/2014/main" id="{F9483B96-2840-8826-D228-A7714E4A82F1}"/>
+              </a:ext>
+            </a:extLst>
+          </p:cNvPr>
+          <p:cNvGrpSpPr/>
+          <p:nvPr/>
+        </p:nvGrpSpPr>
+        <p:grpSpPr>
+          <a:xfrm>
+            <a:off x="14353832" y="1387631"/>
+            <a:ext cx="568092" cy="343733"/>
+            <a:chOff x="1663001" y="3881027"/>
+            <a:chExt cx="1353820" cy="819150"/>
+          </a:xfrm>
+        </p:grpSpPr>
+        <p:sp>
+          <p:nvSpPr>
+            <p:cNvPr id="31" name="Oval 30">
+              <a:extLst>
+                <a:ext uri="{FF2B5EF4-FFF2-40B4-BE49-F238E27FC236}">
+                  <a16:creationId xmlns:a16="http://schemas.microsoft.com/office/drawing/2014/main" id="{CD53FD50-D3B5-9FB6-71E7-2A935409FE33}"/>
+                </a:ext>
+              </a:extLst>
+            </p:cNvPr>
+            <p:cNvSpPr/>
+            <p:nvPr/>
+          </p:nvSpPr>
+          <p:spPr>
+            <a:xfrm>
+              <a:off x="1815401" y="3881027"/>
+              <a:ext cx="304800" cy="304800"/>
+            </a:xfrm>
+            <a:prstGeom prst="ellipse">
+              <a:avLst/>
+            </a:prstGeom>
+            <a:solidFill>
+              <a:srgbClr val="000000"/>
+            </a:solidFill>
+            <a:ln w="9525" cap="flat">
+              <a:noFill/>
+              <a:prstDash val="solid"/>
+              <a:miter/>
+            </a:ln>
+          </p:spPr>
+          <p:txBody>
+            <a:bodyPr/>
+            <a:lstStyle/>
+            <a:p>
+              <a:endParaRPr lang="en-US"/>
+            </a:p>
+          </p:txBody>
+        </p:sp>
+        <p:sp>
+          <p:nvSpPr>
+            <p:cNvPr id="43" name="Freeform: Shape 42">
+              <a:extLst>
+                <a:ext uri="{FF2B5EF4-FFF2-40B4-BE49-F238E27FC236}">
+                  <a16:creationId xmlns:a16="http://schemas.microsoft.com/office/drawing/2014/main" id="{6FD692F2-2CEA-1581-E121-C049A445E4ED}"/>
+                </a:ext>
+              </a:extLst>
+            </p:cNvPr>
+            <p:cNvSpPr/>
+            <p:nvPr/>
+          </p:nvSpPr>
+          <p:spPr>
+            <a:xfrm>
+              <a:off x="1663001" y="4223927"/>
+              <a:ext cx="586658" cy="304800"/>
+            </a:xfrm>
+            <a:custGeom>
+              <a:avLst/>
+              <a:gdLst>
+                <a:gd name="csX0" fmla="*/ 304800 w 586658"/>
+                <a:gd name="csY0" fmla="*/ 0 h 304800"/>
+                <a:gd name="csX1" fmla="*/ 430530 w 586658"/>
+                <a:gd name="csY1" fmla="*/ 19050 h 304800"/>
+                <a:gd name="csX2" fmla="*/ 488264 w 586658"/>
+                <a:gd name="csY2" fmla="*/ 40394 h 304800"/>
+                <a:gd name="csX3" fmla="*/ 493264 w 586658"/>
+                <a:gd name="csY3" fmla="*/ 56501 h 304800"/>
+                <a:gd name="csX4" fmla="*/ 534788 w 586658"/>
+                <a:gd name="csY4" fmla="*/ 118089 h 304800"/>
+                <a:gd name="csX5" fmla="*/ 586658 w 586658"/>
+                <a:gd name="csY5" fmla="*/ 153061 h 304800"/>
+                <a:gd name="csX6" fmla="*/ 529604 w 586658"/>
+                <a:gd name="csY6" fmla="*/ 165595 h 304800"/>
+                <a:gd name="csX7" fmla="*/ 355516 w 586658"/>
+                <a:gd name="csY7" fmla="*/ 250407 h 304800"/>
+                <a:gd name="csX8" fmla="*/ 329291 w 586658"/>
+                <a:gd name="csY8" fmla="*/ 282770 h 304800"/>
+                <a:gd name="csX9" fmla="*/ 323941 w 586658"/>
+                <a:gd name="csY9" fmla="*/ 304800 h 304800"/>
+                <a:gd name="csX10" fmla="*/ 0 w 586658"/>
+                <a:gd name="csY10" fmla="*/ 304800 h 304800"/>
+                <a:gd name="csX11" fmla="*/ 0 w 586658"/>
+                <a:gd name="csY11" fmla="*/ 152400 h 304800"/>
+                <a:gd name="csX12" fmla="*/ 30480 w 586658"/>
+                <a:gd name="csY12" fmla="*/ 91440 h 304800"/>
+                <a:gd name="csX13" fmla="*/ 179070 w 586658"/>
+                <a:gd name="csY13" fmla="*/ 19050 h 304800"/>
+                <a:gd name="csX14" fmla="*/ 304800 w 586658"/>
+                <a:gd name="csY14" fmla="*/ 0 h 304800"/>
+              </a:gdLst>
+              <a:ahLst/>
+              <a:cxnLst>
+                <a:cxn ang="0">
+                  <a:pos x="csX0" y="csY0"/>
+                </a:cxn>
+                <a:cxn ang="0">
+                  <a:pos x="csX1" y="csY1"/>
+                </a:cxn>
+                <a:cxn ang="0">
+                  <a:pos x="csX2" y="csY2"/>
+                </a:cxn>
+                <a:cxn ang="0">
+                  <a:pos x="csX3" y="csY3"/>
+                </a:cxn>
+                <a:cxn ang="0">
+                  <a:pos x="csX4" y="csY4"/>
+                </a:cxn>
+                <a:cxn ang="0">
+                  <a:pos x="csX5" y="csY5"/>
+                </a:cxn>
+                <a:cxn ang="0">
+                  <a:pos x="csX6" y="csY6"/>
+                </a:cxn>
+                <a:cxn ang="0">
+                  <a:pos x="csX7" y="csY7"/>
+                </a:cxn>
+                <a:cxn ang="0">
+                  <a:pos x="csX8" y="csY8"/>
+                </a:cxn>
+                <a:cxn ang="0">
+                  <a:pos x="csX9" y="csY9"/>
+                </a:cxn>
+                <a:cxn ang="0">
+                  <a:pos x="csX10" y="csY10"/>
+                </a:cxn>
+                <a:cxn ang="0">
+                  <a:pos x="csX11" y="csY11"/>
+                </a:cxn>
+                <a:cxn ang="0">
+                  <a:pos x="csX12" y="csY12"/>
+                </a:cxn>
+                <a:cxn ang="0">
+                  <a:pos x="csX13" y="csY13"/>
+                </a:cxn>
+                <a:cxn ang="0">
+                  <a:pos x="csX14" y="csY14"/>
+                </a:cxn>
+              </a:cxnLst>
+              <a:rect l="l" t="t" r="r" b="b"/>
+              <a:pathLst>
+                <a:path w="586658" h="304800">
+                  <a:moveTo>
+                    <a:pt x="304800" y="0"/>
+                  </a:moveTo>
+                  <a:cubicBezTo>
+                    <a:pt x="350520" y="0"/>
+                    <a:pt x="392430" y="7620"/>
+                    <a:pt x="430530" y="19050"/>
+                  </a:cubicBezTo>
+                  <a:lnTo>
+                    <a:pt x="488264" y="40394"/>
+                  </a:lnTo>
+                  <a:lnTo>
+                    <a:pt x="493264" y="56501"/>
+                  </a:lnTo>
+                  <a:cubicBezTo>
+                    <a:pt x="503069" y="79682"/>
+                    <a:pt x="517257" y="100558"/>
+                    <a:pt x="534788" y="118089"/>
+                  </a:cubicBezTo>
+                  <a:lnTo>
+                    <a:pt x="586658" y="153061"/>
+                  </a:lnTo>
+                  <a:lnTo>
+                    <a:pt x="529604" y="165595"/>
+                  </a:lnTo>
+                  <a:cubicBezTo>
+                    <a:pt x="467111" y="183450"/>
+                    <a:pt x="404618" y="214697"/>
+                    <a:pt x="355516" y="250407"/>
+                  </a:cubicBezTo>
+                  <a:cubicBezTo>
+                    <a:pt x="344357" y="259335"/>
+                    <a:pt x="335429" y="270494"/>
+                    <a:pt x="329291" y="282770"/>
+                  </a:cubicBezTo>
+                  <a:lnTo>
+                    <a:pt x="323941" y="304800"/>
+                  </a:lnTo>
+                  <a:lnTo>
+                    <a:pt x="0" y="304800"/>
+                  </a:lnTo>
+                  <a:lnTo>
+                    <a:pt x="0" y="152400"/>
+                  </a:lnTo>
+                  <a:cubicBezTo>
+                    <a:pt x="0" y="129540"/>
+                    <a:pt x="11430" y="106680"/>
+                    <a:pt x="30480" y="91440"/>
+                  </a:cubicBezTo>
+                  <a:cubicBezTo>
+                    <a:pt x="72390" y="60960"/>
+                    <a:pt x="125730" y="34290"/>
+                    <a:pt x="179070" y="19050"/>
+                  </a:cubicBezTo>
+                  <a:cubicBezTo>
+                    <a:pt x="220980" y="7620"/>
+                    <a:pt x="262890" y="0"/>
+                    <a:pt x="304800" y="0"/>
+                  </a:cubicBezTo>
+                  <a:close/>
+                </a:path>
+              </a:pathLst>
+            </a:custGeom>
+            <a:solidFill>
+              <a:srgbClr val="000000"/>
+            </a:solidFill>
+            <a:ln w="9525" cap="flat">
+              <a:noFill/>
+              <a:prstDash val="solid"/>
+              <a:miter/>
+            </a:ln>
+          </p:spPr>
+          <p:txBody>
+            <a:bodyPr wrap="square">
+              <a:noAutofit/>
+            </a:bodyPr>
+            <a:lstStyle/>
+            <a:p>
+              <a:endParaRPr lang="en-US"/>
+            </a:p>
+          </p:txBody>
+        </p:sp>
+        <p:sp>
+          <p:nvSpPr>
+            <p:cNvPr id="42" name="Freeform: Shape 41">
+              <a:extLst>
+                <a:ext uri="{FF2B5EF4-FFF2-40B4-BE49-F238E27FC236}">
+                  <a16:creationId xmlns:a16="http://schemas.microsoft.com/office/drawing/2014/main" id="{50F97ADC-9966-5B3D-F85A-D90582F52AB0}"/>
+                </a:ext>
+              </a:extLst>
+            </p:cNvPr>
+            <p:cNvSpPr/>
+            <p:nvPr/>
+          </p:nvSpPr>
+          <p:spPr>
+            <a:xfrm>
+              <a:off x="2423195" y="4223927"/>
+              <a:ext cx="593626" cy="304800"/>
+            </a:xfrm>
+            <a:custGeom>
+              <a:avLst/>
+              <a:gdLst>
+                <a:gd name="csX0" fmla="*/ 288826 w 593626"/>
+                <a:gd name="csY0" fmla="*/ 0 h 304800"/>
+                <a:gd name="csX1" fmla="*/ 414556 w 593626"/>
+                <a:gd name="csY1" fmla="*/ 19050 h 304800"/>
+                <a:gd name="csX2" fmla="*/ 563146 w 593626"/>
+                <a:gd name="csY2" fmla="*/ 91440 h 304800"/>
+                <a:gd name="csX3" fmla="*/ 593626 w 593626"/>
+                <a:gd name="csY3" fmla="*/ 152400 h 304800"/>
+                <a:gd name="csX4" fmla="*/ 593626 w 593626"/>
+                <a:gd name="csY4" fmla="*/ 304800 h 304800"/>
+                <a:gd name="csX5" fmla="*/ 269683 w 593626"/>
+                <a:gd name="csY5" fmla="*/ 304800 h 304800"/>
+                <a:gd name="csX6" fmla="*/ 264333 w 593626"/>
+                <a:gd name="csY6" fmla="*/ 282770 h 304800"/>
+                <a:gd name="csX7" fmla="*/ 238108 w 593626"/>
+                <a:gd name="csY7" fmla="*/ 250407 h 304800"/>
+                <a:gd name="csX8" fmla="*/ 64020 w 593626"/>
+                <a:gd name="csY8" fmla="*/ 165595 h 304800"/>
+                <a:gd name="csX9" fmla="*/ 0 w 593626"/>
+                <a:gd name="csY9" fmla="*/ 150861 h 304800"/>
+                <a:gd name="csX10" fmla="*/ 48606 w 593626"/>
+                <a:gd name="csY10" fmla="*/ 118089 h 304800"/>
+                <a:gd name="csX11" fmla="*/ 90130 w 593626"/>
+                <a:gd name="csY11" fmla="*/ 56501 h 304800"/>
+                <a:gd name="csX12" fmla="*/ 93359 w 593626"/>
+                <a:gd name="csY12" fmla="*/ 46100 h 304800"/>
+                <a:gd name="csX13" fmla="*/ 163096 w 593626"/>
+                <a:gd name="csY13" fmla="*/ 19050 h 304800"/>
+                <a:gd name="csX14" fmla="*/ 288826 w 593626"/>
+                <a:gd name="csY14" fmla="*/ 0 h 304800"/>
+              </a:gdLst>
+              <a:ahLst/>
+              <a:cxnLst>
+                <a:cxn ang="0">
+                  <a:pos x="csX0" y="csY0"/>
+                </a:cxn>
+                <a:cxn ang="0">
+                  <a:pos x="csX1" y="csY1"/>
+                </a:cxn>
+                <a:cxn ang="0">
+                  <a:pos x="csX2" y="csY2"/>
+                </a:cxn>
+                <a:cxn ang="0">
+                  <a:pos x="csX3" y="csY3"/>
+                </a:cxn>
+                <a:cxn ang="0">
+                  <a:pos x="csX4" y="csY4"/>
+                </a:cxn>
+                <a:cxn ang="0">
+                  <a:pos x="csX5" y="csY5"/>
+                </a:cxn>
+                <a:cxn ang="0">
+                  <a:pos x="csX6" y="csY6"/>
+                </a:cxn>
+                <a:cxn ang="0">
+                  <a:pos x="csX7" y="csY7"/>
+                </a:cxn>
+                <a:cxn ang="0">
+                  <a:pos x="csX8" y="csY8"/>
+                </a:cxn>
+                <a:cxn ang="0">
+                  <a:pos x="csX9" y="csY9"/>
+                </a:cxn>
+                <a:cxn ang="0">
+                  <a:pos x="csX10" y="csY10"/>
+                </a:cxn>
+                <a:cxn ang="0">
+                  <a:pos x="csX11" y="csY11"/>
+                </a:cxn>
+                <a:cxn ang="0">
+                  <a:pos x="csX12" y="csY12"/>
+                </a:cxn>
+                <a:cxn ang="0">
+                  <a:pos x="csX13" y="csY13"/>
+                </a:cxn>
+                <a:cxn ang="0">
+                  <a:pos x="csX14" y="csY14"/>
+                </a:cxn>
+              </a:cxnLst>
+              <a:rect l="l" t="t" r="r" b="b"/>
+              <a:pathLst>
+                <a:path w="593626" h="304800">
+                  <a:moveTo>
+                    <a:pt x="288826" y="0"/>
+                  </a:moveTo>
+                  <a:cubicBezTo>
+                    <a:pt x="334546" y="0"/>
+                    <a:pt x="376456" y="7620"/>
+                    <a:pt x="414556" y="19050"/>
+                  </a:cubicBezTo>
+                  <a:cubicBezTo>
+                    <a:pt x="467896" y="34290"/>
+                    <a:pt x="521236" y="57150"/>
+                    <a:pt x="563146" y="91440"/>
+                  </a:cubicBezTo>
+                  <a:cubicBezTo>
+                    <a:pt x="582196" y="106680"/>
+                    <a:pt x="593626" y="129540"/>
+                    <a:pt x="593626" y="152400"/>
+                  </a:cubicBezTo>
+                  <a:lnTo>
+                    <a:pt x="593626" y="304800"/>
+                  </a:lnTo>
+                  <a:lnTo>
+                    <a:pt x="269683" y="304800"/>
+                  </a:lnTo>
+                  <a:lnTo>
+                    <a:pt x="264333" y="282770"/>
+                  </a:lnTo>
+                  <a:cubicBezTo>
+                    <a:pt x="258195" y="270494"/>
+                    <a:pt x="249268" y="259335"/>
+                    <a:pt x="238108" y="250407"/>
+                  </a:cubicBezTo>
+                  <a:cubicBezTo>
+                    <a:pt x="189006" y="210233"/>
+                    <a:pt x="126513" y="183450"/>
+                    <a:pt x="64020" y="165595"/>
+                  </a:cubicBezTo>
+                  <a:lnTo>
+                    <a:pt x="0" y="150861"/>
+                  </a:lnTo>
+                  <a:lnTo>
+                    <a:pt x="48606" y="118089"/>
+                  </a:lnTo>
+                  <a:cubicBezTo>
+                    <a:pt x="66138" y="100558"/>
+                    <a:pt x="80325" y="79682"/>
+                    <a:pt x="90130" y="56501"/>
+                  </a:cubicBezTo>
+                  <a:lnTo>
+                    <a:pt x="93359" y="46100"/>
+                  </a:lnTo>
+                  <a:lnTo>
+                    <a:pt x="163096" y="19050"/>
+                  </a:lnTo>
+                  <a:cubicBezTo>
+                    <a:pt x="205006" y="7620"/>
+                    <a:pt x="246916" y="0"/>
+                    <a:pt x="288826" y="0"/>
+                  </a:cubicBezTo>
+                  <a:close/>
+                </a:path>
+              </a:pathLst>
+            </a:custGeom>
+            <a:solidFill>
+              <a:srgbClr val="000000"/>
+            </a:solidFill>
+            <a:ln w="9525" cap="flat">
+              <a:noFill/>
+              <a:prstDash val="solid"/>
+              <a:miter/>
+            </a:ln>
+          </p:spPr>
+          <p:txBody>
+            <a:bodyPr wrap="square">
+              <a:noAutofit/>
+            </a:bodyPr>
+            <a:lstStyle/>
+            <a:p>
+              <a:endParaRPr lang="en-US"/>
+            </a:p>
+          </p:txBody>
+        </p:sp>
+        <p:sp>
+          <p:nvSpPr>
+            <p:cNvPr id="38" name="Oval 37">
+              <a:extLst>
+                <a:ext uri="{FF2B5EF4-FFF2-40B4-BE49-F238E27FC236}">
+                  <a16:creationId xmlns:a16="http://schemas.microsoft.com/office/drawing/2014/main" id="{B65CF61B-7EEC-F4EF-76EC-EB46BC002B5C}"/>
+                </a:ext>
+              </a:extLst>
+            </p:cNvPr>
+            <p:cNvSpPr/>
+            <p:nvPr/>
+          </p:nvSpPr>
+          <p:spPr>
+            <a:xfrm>
+              <a:off x="2559621" y="3881027"/>
+              <a:ext cx="304800" cy="304800"/>
+            </a:xfrm>
+            <a:prstGeom prst="ellipse">
+              <a:avLst/>
+            </a:prstGeom>
+            <a:solidFill>
+              <a:srgbClr val="000000"/>
+            </a:solidFill>
+            <a:ln w="9525" cap="flat">
+              <a:noFill/>
+              <a:prstDash val="solid"/>
+              <a:miter/>
+            </a:ln>
+          </p:spPr>
+          <p:txBody>
+            <a:bodyPr/>
+            <a:lstStyle/>
+            <a:p>
+              <a:endParaRPr lang="en-US"/>
+            </a:p>
+          </p:txBody>
+        </p:sp>
+        <p:grpSp>
+          <p:nvGrpSpPr>
+            <p:cNvPr id="47" name="Group 46">
+              <a:extLst>
+                <a:ext uri="{FF2B5EF4-FFF2-40B4-BE49-F238E27FC236}">
+                  <a16:creationId xmlns:a16="http://schemas.microsoft.com/office/drawing/2014/main" id="{243484FA-8218-B4C4-0620-B452BA16D78C}"/>
+                </a:ext>
+              </a:extLst>
+            </p:cNvPr>
+            <p:cNvGrpSpPr/>
+            <p:nvPr/>
+          </p:nvGrpSpPr>
+          <p:grpSpPr>
+            <a:xfrm>
+              <a:off x="2031627" y="4044857"/>
+              <a:ext cx="609600" cy="655320"/>
+              <a:chOff x="3576891" y="4068987"/>
+              <a:chExt cx="609600" cy="655320"/>
+            </a:xfrm>
+          </p:grpSpPr>
+          <p:sp>
+            <p:nvSpPr>
+              <p:cNvPr id="23" name="Oval 22">
+                <a:extLst>
+                  <a:ext uri="{FF2B5EF4-FFF2-40B4-BE49-F238E27FC236}">
+                    <a16:creationId xmlns:a16="http://schemas.microsoft.com/office/drawing/2014/main" id="{77519943-6A6F-A79C-3709-358CB17645F9}"/>
+                  </a:ext>
+                </a:extLst>
+              </p:cNvPr>
+              <p:cNvSpPr/>
+              <p:nvPr/>
+            </p:nvSpPr>
+            <p:spPr>
+              <a:xfrm>
+                <a:off x="3729291" y="4068987"/>
+                <a:ext cx="304800" cy="304800"/>
+              </a:xfrm>
+              <a:prstGeom prst="ellipse">
+                <a:avLst/>
+              </a:prstGeom>
+              <a:solidFill>
+                <a:srgbClr val="000000"/>
+              </a:solidFill>
+              <a:ln w="9525" cap="flat">
+                <a:noFill/>
+                <a:prstDash val="solid"/>
+                <a:miter/>
+              </a:ln>
+            </p:spPr>
+            <p:txBody>
+              <a:bodyPr/>
+              <a:lstStyle/>
+              <a:p>
+                <a:endParaRPr lang="en-US"/>
+              </a:p>
+            </p:txBody>
+          </p:sp>
+          <p:sp>
+            <p:nvSpPr>
+              <p:cNvPr id="24" name="Freeform: Shape 23">
+                <a:extLst>
+                  <a:ext uri="{FF2B5EF4-FFF2-40B4-BE49-F238E27FC236}">
+                    <a16:creationId xmlns:a16="http://schemas.microsoft.com/office/drawing/2014/main" id="{4282C83C-83DD-D71D-D089-6447A3667EC6}"/>
+                  </a:ext>
+                </a:extLst>
+              </p:cNvPr>
+              <p:cNvSpPr/>
+              <p:nvPr/>
+            </p:nvSpPr>
+            <p:spPr>
+              <a:xfrm>
+                <a:off x="3576891" y="4419507"/>
+                <a:ext cx="609600" cy="304800"/>
+              </a:xfrm>
+              <a:custGeom>
+                <a:avLst/>
+                <a:gdLst>
+                  <a:gd name="csX0" fmla="*/ 609600 w 609600"/>
+                  <a:gd name="csY0" fmla="*/ 304800 h 304800"/>
+                  <a:gd name="csX1" fmla="*/ 609600 w 609600"/>
+                  <a:gd name="csY1" fmla="*/ 152400 h 304800"/>
+                  <a:gd name="csX2" fmla="*/ 579120 w 609600"/>
+                  <a:gd name="csY2" fmla="*/ 91440 h 304800"/>
+                  <a:gd name="csX3" fmla="*/ 430530 w 609600"/>
+                  <a:gd name="csY3" fmla="*/ 19050 h 304800"/>
+                  <a:gd name="csX4" fmla="*/ 304800 w 609600"/>
+                  <a:gd name="csY4" fmla="*/ 0 h 304800"/>
+                  <a:gd name="csX5" fmla="*/ 179070 w 609600"/>
+                  <a:gd name="csY5" fmla="*/ 19050 h 304800"/>
+                  <a:gd name="csX6" fmla="*/ 30480 w 609600"/>
+                  <a:gd name="csY6" fmla="*/ 91440 h 304800"/>
+                  <a:gd name="csX7" fmla="*/ 0 w 609600"/>
+                  <a:gd name="csY7" fmla="*/ 152400 h 304800"/>
+                  <a:gd name="csX8" fmla="*/ 0 w 609600"/>
+                  <a:gd name="csY8" fmla="*/ 304800 h 304800"/>
+                  <a:gd name="csX9" fmla="*/ 609600 w 609600"/>
+                  <a:gd name="csY9" fmla="*/ 304800 h 304800"/>
+                </a:gdLst>
+                <a:ahLst/>
+                <a:cxnLst>
+                  <a:cxn ang="0">
+                    <a:pos x="csX0" y="csY0"/>
+                  </a:cxn>
+                  <a:cxn ang="0">
+                    <a:pos x="csX1" y="csY1"/>
+                  </a:cxn>
+                  <a:cxn ang="0">
+                    <a:pos x="csX2" y="csY2"/>
+                  </a:cxn>
+                  <a:cxn ang="0">
+                    <a:pos x="csX3" y="csY3"/>
+                  </a:cxn>
+                  <a:cxn ang="0">
+                    <a:pos x="csX4" y="csY4"/>
+                  </a:cxn>
+                  <a:cxn ang="0">
+                    <a:pos x="csX5" y="csY5"/>
+                  </a:cxn>
+                  <a:cxn ang="0">
+                    <a:pos x="csX6" y="csY6"/>
+                  </a:cxn>
+                  <a:cxn ang="0">
+                    <a:pos x="csX7" y="csY7"/>
+                  </a:cxn>
+                  <a:cxn ang="0">
+                    <a:pos x="csX8" y="csY8"/>
+                  </a:cxn>
+                  <a:cxn ang="0">
+                    <a:pos x="csX9" y="csY9"/>
+                  </a:cxn>
+                </a:cxnLst>
+                <a:rect l="l" t="t" r="r" b="b"/>
+                <a:pathLst>
+                  <a:path w="609600" h="304800">
+                    <a:moveTo>
+                      <a:pt x="609600" y="304800"/>
+                    </a:moveTo>
+                    <a:lnTo>
+                      <a:pt x="609600" y="152400"/>
+                    </a:lnTo>
+                    <a:cubicBezTo>
+                      <a:pt x="609600" y="129540"/>
+                      <a:pt x="598170" y="106680"/>
+                      <a:pt x="579120" y="91440"/>
+                    </a:cubicBezTo>
+                    <a:cubicBezTo>
+                      <a:pt x="537210" y="57150"/>
+                      <a:pt x="483870" y="34290"/>
+                      <a:pt x="430530" y="19050"/>
+                    </a:cubicBezTo>
+                    <a:cubicBezTo>
+                      <a:pt x="392430" y="7620"/>
+                      <a:pt x="350520" y="0"/>
+                      <a:pt x="304800" y="0"/>
+                    </a:cubicBezTo>
+                    <a:cubicBezTo>
+                      <a:pt x="262890" y="0"/>
+                      <a:pt x="220980" y="7620"/>
+                      <a:pt x="179070" y="19050"/>
+                    </a:cubicBezTo>
+                    <a:cubicBezTo>
+                      <a:pt x="125730" y="34290"/>
+                      <a:pt x="72390" y="60960"/>
+                      <a:pt x="30480" y="91440"/>
+                    </a:cubicBezTo>
+                    <a:cubicBezTo>
+                      <a:pt x="11430" y="106680"/>
+                      <a:pt x="0" y="129540"/>
+                      <a:pt x="0" y="152400"/>
+                    </a:cubicBezTo>
+                    <a:lnTo>
+                      <a:pt x="0" y="304800"/>
+                    </a:lnTo>
+                    <a:lnTo>
+                      <a:pt x="609600" y="304800"/>
+                    </a:lnTo>
+                    <a:close/>
+                  </a:path>
+                </a:pathLst>
+              </a:custGeom>
+              <a:solidFill>
+                <a:srgbClr val="000000"/>
+              </a:solidFill>
+              <a:ln w="9525" cap="flat">
+                <a:noFill/>
+                <a:prstDash val="solid"/>
+                <a:miter/>
+              </a:ln>
+            </p:spPr>
+            <p:txBody>
+              <a:bodyPr/>
+              <a:lstStyle/>
+              <a:p>
+                <a:endParaRPr lang="en-US"/>
+              </a:p>
+            </p:txBody>
+          </p:sp>
+        </p:grpSp>
+      </p:grpSp>
     </p:spTree>
     <p:extLst>
       <p:ext uri="{BB962C8B-B14F-4D97-AF65-F5344CB8AC3E}">
